--- a/Handwriting Number Recognition 1.0.pptx
+++ b/Handwriting Number Recognition 1.0.pptx
@@ -1,6 +1,6 @@
 
 <file path=ppt/presentation.xml><?xml version="1.0" encoding="utf-8"?>
-<p:presentation xmlns:a="http://schemas.openxmlformats.org/drawingml/2006/main" xmlns:r="http://schemas.openxmlformats.org/officeDocument/2006/relationships" xmlns:p="http://schemas.openxmlformats.org/presentationml/2006/main" autoCompressPictures="0">
+<p:presentation xmlns:a="http://schemas.openxmlformats.org/drawingml/2006/main" xmlns:r="http://schemas.openxmlformats.org/officeDocument/2006/relationships" xmlns:p="http://schemas.openxmlformats.org/presentationml/2006/main" saveSubsetFonts="1" autoCompressPictures="0">
   <p:sldMasterIdLst>
     <p:sldMasterId id="2147483648" r:id="rId1"/>
   </p:sldMasterIdLst>
@@ -9,8 +9,8 @@
     <p:sldId id="257" r:id="rId3"/>
     <p:sldId id="258" r:id="rId4"/>
     <p:sldId id="259" r:id="rId5"/>
-    <p:sldId id="265" r:id="rId6"/>
-    <p:sldId id="260" r:id="rId7"/>
+    <p:sldId id="260" r:id="rId6"/>
+    <p:sldId id="264" r:id="rId7"/>
     <p:sldId id="261" r:id="rId8"/>
     <p:sldId id="262" r:id="rId9"/>
     <p:sldId id="263" r:id="rId10"/>
@@ -309,7 +309,7 @@
             <a:fld id="{B61BEF0D-F0BB-DE4B-95CE-6DB70DBA9567}" type="datetimeFigureOut">
               <a:rPr lang="en-US" dirty="0"/>
               <a:pPr/>
-              <a:t>5/5/2018</a:t>
+              <a:t>5/4/18</a:t>
             </a:fld>
             <a:endParaRPr lang="en-US" dirty="0"/>
           </a:p>
@@ -644,7 +644,7 @@
             <a:fld id="{B61BEF0D-F0BB-DE4B-95CE-6DB70DBA9567}" type="datetimeFigureOut">
               <a:rPr lang="en-US" dirty="0"/>
               <a:pPr/>
-              <a:t>5/5/2018</a:t>
+              <a:t>5/4/18</a:t>
             </a:fld>
             <a:endParaRPr lang="en-US" dirty="0"/>
           </a:p>
@@ -1042,7 +1042,7 @@
             <a:fld id="{B61BEF0D-F0BB-DE4B-95CE-6DB70DBA9567}" type="datetimeFigureOut">
               <a:rPr lang="en-US" dirty="0"/>
               <a:pPr/>
-              <a:t>5/5/2018</a:t>
+              <a:t>5/4/18</a:t>
             </a:fld>
             <a:endParaRPr lang="en-US" dirty="0"/>
           </a:p>
@@ -1375,7 +1375,7 @@
             <a:fld id="{B61BEF0D-F0BB-DE4B-95CE-6DB70DBA9567}" type="datetimeFigureOut">
               <a:rPr lang="en-US" dirty="0"/>
               <a:pPr/>
-              <a:t>5/5/2018</a:t>
+              <a:t>5/4/18</a:t>
             </a:fld>
             <a:endParaRPr lang="en-US" dirty="0"/>
           </a:p>
@@ -1692,7 +1692,7 @@
             <a:fld id="{B61BEF0D-F0BB-DE4B-95CE-6DB70DBA9567}" type="datetimeFigureOut">
               <a:rPr lang="en-US" dirty="0"/>
               <a:pPr/>
-              <a:t>5/5/2018</a:t>
+              <a:t>5/4/18</a:t>
             </a:fld>
             <a:endParaRPr lang="en-US" dirty="0"/>
           </a:p>
@@ -2085,7 +2085,7 @@
             <a:fld id="{B61BEF0D-F0BB-DE4B-95CE-6DB70DBA9567}" type="datetimeFigureOut">
               <a:rPr lang="en-US" dirty="0"/>
               <a:pPr/>
-              <a:t>5/5/2018</a:t>
+              <a:t>5/4/18</a:t>
             </a:fld>
             <a:endParaRPr lang="en-US" dirty="0"/>
           </a:p>
@@ -2339,7 +2339,7 @@
             <a:fld id="{B61BEF0D-F0BB-DE4B-95CE-6DB70DBA9567}" type="datetimeFigureOut">
               <a:rPr lang="en-US" dirty="0"/>
               <a:pPr/>
-              <a:t>5/5/2018</a:t>
+              <a:t>5/4/18</a:t>
             </a:fld>
             <a:endParaRPr lang="en-US" dirty="0"/>
           </a:p>
@@ -2598,7 +2598,7 @@
             <a:fld id="{B61BEF0D-F0BB-DE4B-95CE-6DB70DBA9567}" type="datetimeFigureOut">
               <a:rPr lang="en-US" dirty="0"/>
               <a:pPr/>
-              <a:t>5/5/2018</a:t>
+              <a:t>5/4/18</a:t>
             </a:fld>
             <a:endParaRPr lang="en-US" dirty="0"/>
           </a:p>
@@ -2857,7 +2857,7 @@
             <a:fld id="{B61BEF0D-F0BB-DE4B-95CE-6DB70DBA9567}" type="datetimeFigureOut">
               <a:rPr lang="en-US" dirty="0"/>
               <a:pPr/>
-              <a:t>5/5/2018</a:t>
+              <a:t>5/4/18</a:t>
             </a:fld>
             <a:endParaRPr lang="en-US" dirty="0"/>
           </a:p>
@@ -3183,7 +3183,7 @@
             <a:fld id="{B61BEF0D-F0BB-DE4B-95CE-6DB70DBA9567}" type="datetimeFigureOut">
               <a:rPr lang="en-US" dirty="0"/>
               <a:pPr/>
-              <a:t>5/5/2018</a:t>
+              <a:t>5/4/18</a:t>
             </a:fld>
             <a:endParaRPr lang="en-US" dirty="0"/>
           </a:p>
@@ -3503,7 +3503,7 @@
             <a:fld id="{B61BEF0D-F0BB-DE4B-95CE-6DB70DBA9567}" type="datetimeFigureOut">
               <a:rPr lang="en-US" dirty="0"/>
               <a:pPr/>
-              <a:t>5/5/2018</a:t>
+              <a:t>5/4/18</a:t>
             </a:fld>
             <a:endParaRPr lang="en-US" dirty="0"/>
           </a:p>
@@ -3957,7 +3957,7 @@
             <a:fld id="{B61BEF0D-F0BB-DE4B-95CE-6DB70DBA9567}" type="datetimeFigureOut">
               <a:rPr lang="en-US" dirty="0"/>
               <a:pPr/>
-              <a:t>5/5/2018</a:t>
+              <a:t>5/4/18</a:t>
             </a:fld>
             <a:endParaRPr lang="en-US" dirty="0"/>
           </a:p>
@@ -4159,7 +4159,7 @@
             <a:fld id="{B61BEF0D-F0BB-DE4B-95CE-6DB70DBA9567}" type="datetimeFigureOut">
               <a:rPr lang="en-US" dirty="0"/>
               <a:pPr/>
-              <a:t>5/5/2018</a:t>
+              <a:t>5/4/18</a:t>
             </a:fld>
             <a:endParaRPr lang="en-US" dirty="0"/>
           </a:p>
@@ -4333,7 +4333,7 @@
             <a:fld id="{B61BEF0D-F0BB-DE4B-95CE-6DB70DBA9567}" type="datetimeFigureOut">
               <a:rPr lang="en-US" dirty="0"/>
               <a:pPr/>
-              <a:t>5/5/2018</a:t>
+              <a:t>5/4/18</a:t>
             </a:fld>
             <a:endParaRPr lang="en-US" dirty="0"/>
           </a:p>
@@ -4663,7 +4663,7 @@
             <a:fld id="{B61BEF0D-F0BB-DE4B-95CE-6DB70DBA9567}" type="datetimeFigureOut">
               <a:rPr lang="en-US" dirty="0"/>
               <a:pPr/>
-              <a:t>5/5/2018</a:t>
+              <a:t>5/4/18</a:t>
             </a:fld>
             <a:endParaRPr lang="en-US" dirty="0"/>
           </a:p>
@@ -5005,7 +5005,7 @@
             <a:fld id="{B61BEF0D-F0BB-DE4B-95CE-6DB70DBA9567}" type="datetimeFigureOut">
               <a:rPr lang="en-US" dirty="0"/>
               <a:pPr/>
-              <a:t>5/5/2018</a:t>
+              <a:t>5/4/18</a:t>
             </a:fld>
             <a:endParaRPr lang="en-US" dirty="0"/>
           </a:p>
@@ -7119,7 +7119,7 @@
             <a:fld id="{B61BEF0D-F0BB-DE4B-95CE-6DB70DBA9567}" type="datetimeFigureOut">
               <a:rPr lang="en-US" dirty="0"/>
               <a:pPr/>
-              <a:t>5/5/2018</a:t>
+              <a:t>5/4/18</a:t>
             </a:fld>
             <a:endParaRPr lang="en-US" dirty="0"/>
           </a:p>
@@ -7771,19 +7771,7 @@
             </a:r>
             <a:r>
               <a:rPr lang="en-US" altLang="zh-CN" dirty="0" smtClean="0"/>
-              <a:t>icture Recognition is a hot topic these years due to the development of Machine </a:t>
-            </a:r>
-            <a:r>
-              <a:rPr lang="en-US" altLang="zh-CN" dirty="0" smtClean="0"/>
-              <a:t>L</a:t>
-            </a:r>
-            <a:r>
-              <a:rPr lang="en-US" altLang="zh-CN" dirty="0" smtClean="0"/>
-              <a:t>earning and Artificial </a:t>
-            </a:r>
-            <a:r>
-              <a:rPr lang="en-US" altLang="zh-CN" dirty="0" smtClean="0"/>
-              <a:t>Intelligence.</a:t>
+              <a:t>icture Recognition is a hot topic these years due to the development of Machine Learning and Artificial Intelligence.</a:t>
             </a:r>
           </a:p>
           <a:p>
@@ -7949,7 +7937,6 @@
               <a:rPr lang="en-US" dirty="0"/>
               <a:t>neural networks</a:t>
             </a:r>
-            <a:endParaRPr lang="en-US" dirty="0"/>
           </a:p>
         </p:txBody>
       </p:sp>
@@ -8050,7 +8037,12 @@
             <p:ph idx="1"/>
           </p:nvPr>
         </p:nvSpPr>
-        <p:spPr/>
+        <p:spPr>
+          <a:xfrm>
+            <a:off x="2589212" y="1538689"/>
+            <a:ext cx="8915400" cy="3777622"/>
+          </a:xfrm>
+        </p:spPr>
         <p:txBody>
           <a:bodyPr>
             <a:normAutofit/>
@@ -8058,68 +8050,100 @@
           <a:lstStyle/>
           <a:p>
             <a:r>
-              <a:rPr lang="en-US" dirty="0"/>
-              <a:t>The </a:t>
-            </a:r>
-            <a:r>
-              <a:rPr lang="en-US" dirty="0" smtClean="0"/>
-              <a:t>MNIST </a:t>
-            </a:r>
-            <a:r>
-              <a:rPr lang="en-US" dirty="0"/>
-              <a:t>problem is a dataset developed by </a:t>
-            </a:r>
-            <a:r>
-              <a:rPr lang="en-US" dirty="0" err="1"/>
-              <a:t>Yann</a:t>
-            </a:r>
-            <a:r>
-              <a:rPr lang="en-US" dirty="0"/>
-              <a:t> </a:t>
-            </a:r>
-            <a:r>
-              <a:rPr lang="en-US" dirty="0" err="1"/>
-              <a:t>LeCun</a:t>
-            </a:r>
-            <a:r>
-              <a:rPr lang="en-US" dirty="0"/>
-              <a:t>, </a:t>
-            </a:r>
-            <a:r>
-              <a:rPr lang="en-US" dirty="0" err="1"/>
-              <a:t>Corinna</a:t>
-            </a:r>
-            <a:r>
-              <a:rPr lang="en-US" dirty="0"/>
-              <a:t> Cortes and Christopher Burges for evaluating machine learning models on the handwritten digit classification problem.</a:t>
-            </a:r>
-          </a:p>
-          <a:p>
-            <a:r>
-              <a:rPr lang="en-US" dirty="0"/>
-              <a:t>The dataset was constructed from a number of scanned document dataset available from the National Institute of Standards and </a:t>
-            </a:r>
-            <a:r>
-              <a:rPr lang="en-US" dirty="0" err="1" smtClean="0"/>
-              <a:t>Technolgy</a:t>
-            </a:r>
-            <a:r>
-              <a:rPr lang="en-US" dirty="0" smtClean="0"/>
-              <a:t> </a:t>
-            </a:r>
-            <a:r>
-              <a:rPr lang="en-US" dirty="0"/>
-              <a:t>(NIST). This is where the name for the dataset comes from, as the Modified NIST or MNIST dataset.</a:t>
-            </a:r>
-          </a:p>
-          <a:p>
-            <a:r>
-              <a:rPr lang="en-US" dirty="0"/>
-              <a:t>Each image is a 28 by 28 pixel square (784 pixels total). A standard spit of the dataset is used to evaluate and compare models, where 60,000 images are used to train a model and a separate set of 10,000 images are used to test it.</a:t>
-            </a:r>
-          </a:p>
-        </p:txBody>
-      </p:sp>
+              <a:rPr lang="en-US" altLang="zh-CN" dirty="0"/>
+              <a:t>The MNIST database (Modified National Institute of Standards and Technology database) is a large database of handwritten digits that is commonly used for training various image processing systems. </a:t>
+            </a:r>
+            <a:endParaRPr lang="en-US" altLang="zh-CN" dirty="0" smtClean="0"/>
+          </a:p>
+          <a:p>
+            <a:r>
+              <a:rPr lang="en-US" altLang="zh-CN" dirty="0"/>
+              <a:t>The MNIST database contains 60,000 training images and 10,000 testing images. Each individual digit is an array with 784 (28x28) values. Each value represents the color for one pixel. If we reshape a training sample to 28x28 and plot it, we can see the original digit, and we could also see the label of this digit. The label format is the </a:t>
+            </a:r>
+            <a:r>
+              <a:rPr lang="en-US" altLang="zh-CN" i="1" dirty="0"/>
+              <a:t>one-hot encoding</a:t>
+            </a:r>
+            <a:r>
+              <a:rPr lang="en-US" altLang="zh-CN" dirty="0"/>
+              <a:t> style. This means that the label corresponds to the index of the array where the value is 1</a:t>
+            </a:r>
+            <a:r>
+              <a:rPr lang="en-US" altLang="zh-CN" dirty="0" smtClean="0"/>
+              <a:t>.</a:t>
+            </a:r>
+            <a:endParaRPr lang="zh-CN" altLang="zh-CN" dirty="0"/>
+          </a:p>
+        </p:txBody>
+      </p:sp>
+      <p:pic>
+        <p:nvPicPr>
+          <p:cNvPr id="4" name="图片 3"/>
+          <p:cNvPicPr>
+            <a:picLocks noChangeAspect="1"/>
+          </p:cNvPicPr>
+          <p:nvPr/>
+        </p:nvPicPr>
+        <p:blipFill>
+          <a:blip r:embed="rId2"/>
+          <a:stretch>
+            <a:fillRect/>
+          </a:stretch>
+        </p:blipFill>
+        <p:spPr>
+          <a:xfrm>
+            <a:off x="2589212" y="4500718"/>
+            <a:ext cx="2381250" cy="1914525"/>
+          </a:xfrm>
+          <a:prstGeom prst="rect">
+            <a:avLst/>
+          </a:prstGeom>
+        </p:spPr>
+      </p:pic>
+      <p:pic>
+        <p:nvPicPr>
+          <p:cNvPr id="5" name="图片 4"/>
+          <p:cNvPicPr/>
+          <p:nvPr/>
+        </p:nvPicPr>
+        <p:blipFill>
+          <a:blip r:embed="rId3"/>
+          <a:stretch>
+            <a:fillRect/>
+          </a:stretch>
+        </p:blipFill>
+        <p:spPr>
+          <a:xfrm>
+            <a:off x="5214486" y="4500718"/>
+            <a:ext cx="3246468" cy="1914525"/>
+          </a:xfrm>
+          <a:prstGeom prst="rect">
+            <a:avLst/>
+          </a:prstGeom>
+        </p:spPr>
+      </p:pic>
+      <p:pic>
+        <p:nvPicPr>
+          <p:cNvPr id="6" name="图片 5"/>
+          <p:cNvPicPr/>
+          <p:nvPr/>
+        </p:nvPicPr>
+        <p:blipFill>
+          <a:blip r:embed="rId4"/>
+          <a:stretch>
+            <a:fillRect/>
+          </a:stretch>
+        </p:blipFill>
+        <p:spPr>
+          <a:xfrm>
+            <a:off x="8460954" y="4988583"/>
+            <a:ext cx="3043658" cy="584796"/>
+          </a:xfrm>
+          <a:prstGeom prst="rect">
+            <a:avLst/>
+          </a:prstGeom>
+        </p:spPr>
+      </p:pic>
     </p:spTree>
     <p:extLst>
       <p:ext uri="{BB962C8B-B14F-4D97-AF65-F5344CB8AC3E}">
@@ -8175,66 +8199,531 @@
             <a:pPr algn="ctr"/>
             <a:r>
               <a:rPr lang="en-US" dirty="0" smtClean="0"/>
-              <a:t>MNIST database</a:t>
+              <a:t>Neural Network </a:t>
             </a:r>
             <a:endParaRPr lang="en-US" dirty="0"/>
           </a:p>
         </p:txBody>
       </p:sp>
-      <p:sp>
-        <p:nvSpPr>
-          <p:cNvPr id="3" name="内容占位符 2"/>
-          <p:cNvSpPr>
-            <a:spLocks noGrp="1"/>
-          </p:cNvSpPr>
-          <p:nvPr>
-            <p:ph idx="1"/>
-          </p:nvPr>
-        </p:nvSpPr>
-        <p:spPr/>
-        <p:txBody>
-          <a:bodyPr/>
-          <a:lstStyle/>
-          <a:p>
-            <a:r>
-              <a:rPr lang="en-US" dirty="0" smtClean="0"/>
-              <a:t>Images </a:t>
-            </a:r>
-            <a:r>
-              <a:rPr lang="en-US" dirty="0"/>
-              <a:t>of digits were taken from a variety of scanned documents, normalized in size and centered. This makes it an excellent dataset for evaluating models, allowing the developer to focus on the machine learning with very little data cleaning or preparation required</a:t>
-            </a:r>
-            <a:r>
-              <a:rPr lang="en-US" dirty="0" smtClean="0"/>
-              <a:t>.</a:t>
-            </a:r>
-          </a:p>
-          <a:p>
-            <a:r>
-              <a:rPr lang="en-US" dirty="0"/>
-              <a:t>It is a digit recognition task. As such there are 10 digits (0 to 9) or 10 classes to predict.</a:t>
-            </a:r>
-          </a:p>
-        </p:txBody>
-      </p:sp>
+      <mc:AlternateContent xmlns:mc="http://schemas.openxmlformats.org/markup-compatibility/2006">
+        <mc:Choice xmlns:a14="http://schemas.microsoft.com/office/drawing/2010/main" Requires="a14">
+          <p:sp>
+            <p:nvSpPr>
+              <p:cNvPr id="3" name="内容占位符 2"/>
+              <p:cNvSpPr>
+                <a:spLocks noGrp="1"/>
+              </p:cNvSpPr>
+              <p:nvPr>
+                <p:ph idx="1"/>
+              </p:nvPr>
+            </p:nvSpPr>
+            <p:spPr/>
+            <p:txBody>
+              <a:bodyPr/>
+              <a:lstStyle/>
+              <a:p>
+                <a:r>
+                  <a:rPr lang="en-US" dirty="0" smtClean="0"/>
+                  <a:t>Input Layer</a:t>
+                </a:r>
+              </a:p>
+              <a:p>
+                <a:r>
+                  <a:rPr lang="en-US" dirty="0" smtClean="0"/>
+                  <a:t>Hidden Layer</a:t>
+                </a:r>
+              </a:p>
+              <a:p>
+                <a:r>
+                  <a:rPr lang="en-US" dirty="0" smtClean="0"/>
+                  <a:t>Output Lay</a:t>
+                </a:r>
+              </a:p>
+              <a:p>
+                <a14:m>
+                  <m:oMath xmlns:m="http://schemas.openxmlformats.org/officeDocument/2006/math">
+                    <m:r>
+                      <a:rPr lang="en-US" altLang="zh-CN" i="1"/>
+                      <m:t>𝐶</m:t>
+                    </m:r>
+                    <m:d>
+                      <m:dPr>
+                        <m:ctrlPr>
+                          <a:rPr lang="zh-CN" altLang="zh-CN" i="1"/>
+                        </m:ctrlPr>
+                      </m:dPr>
+                      <m:e>
+                        <m:r>
+                          <a:rPr lang="en-US" altLang="zh-CN" i="1"/>
+                          <m:t>𝑤</m:t>
+                        </m:r>
+                        <m:r>
+                          <a:rPr lang="en-US" altLang="zh-CN" i="1"/>
+                          <m:t>,</m:t>
+                        </m:r>
+                        <m:r>
+                          <a:rPr lang="en-US" altLang="zh-CN" i="1"/>
+                          <m:t>𝑏</m:t>
+                        </m:r>
+                      </m:e>
+                    </m:d>
+                    <m:r>
+                      <a:rPr lang="en-US" altLang="zh-CN" i="1"/>
+                      <m:t>≡</m:t>
+                    </m:r>
+                    <m:f>
+                      <m:fPr>
+                        <m:ctrlPr>
+                          <a:rPr lang="zh-CN" altLang="zh-CN" i="1"/>
+                        </m:ctrlPr>
+                      </m:fPr>
+                      <m:num>
+                        <m:r>
+                          <a:rPr lang="en-US" altLang="zh-CN" i="1"/>
+                          <m:t>1</m:t>
+                        </m:r>
+                      </m:num>
+                      <m:den>
+                        <m:r>
+                          <a:rPr lang="en-US" altLang="zh-CN" i="1"/>
+                          <m:t>2</m:t>
+                        </m:r>
+                        <m:r>
+                          <a:rPr lang="en-US" altLang="zh-CN" i="1"/>
+                          <m:t>𝑛</m:t>
+                        </m:r>
+                      </m:den>
+                    </m:f>
+                    <m:nary>
+                      <m:naryPr>
+                        <m:chr m:val="∑"/>
+                        <m:limLoc m:val="undOvr"/>
+                        <m:supHide m:val="on"/>
+                        <m:ctrlPr>
+                          <a:rPr lang="zh-CN" altLang="zh-CN" i="1"/>
+                        </m:ctrlPr>
+                      </m:naryPr>
+                      <m:sub>
+                        <m:r>
+                          <a:rPr lang="en-US" altLang="zh-CN" i="1"/>
+                          <m:t>𝑥</m:t>
+                        </m:r>
+                      </m:sub>
+                      <m:sup/>
+                      <m:e>
+                        <m:sSup>
+                          <m:sSupPr>
+                            <m:ctrlPr>
+                              <a:rPr lang="zh-CN" altLang="zh-CN" i="1"/>
+                            </m:ctrlPr>
+                          </m:sSupPr>
+                          <m:e>
+                            <m:r>
+                              <a:rPr lang="en-US" altLang="zh-CN" i="1"/>
+                              <m:t>|</m:t>
+                            </m:r>
+                            <m:d>
+                              <m:dPr>
+                                <m:begChr m:val="|"/>
+                                <m:endChr m:val="|"/>
+                                <m:ctrlPr>
+                                  <a:rPr lang="zh-CN" altLang="zh-CN" i="1"/>
+                                </m:ctrlPr>
+                              </m:dPr>
+                              <m:e>
+                                <m:r>
+                                  <a:rPr lang="en-US" altLang="zh-CN" i="1"/>
+                                  <m:t>𝑦</m:t>
+                                </m:r>
+                                <m:r>
+                                  <a:rPr lang="en-US" altLang="zh-CN" i="1"/>
+                                  <m:t>−</m:t>
+                                </m:r>
+                                <m:r>
+                                  <a:rPr lang="en-US" altLang="zh-CN" i="1"/>
+                                  <m:t>𝑎</m:t>
+                                </m:r>
+                              </m:e>
+                            </m:d>
+                            <m:r>
+                              <a:rPr lang="en-US" altLang="zh-CN" i="1"/>
+                              <m:t>|</m:t>
+                            </m:r>
+                          </m:e>
+                          <m:sup>
+                            <m:r>
+                              <a:rPr lang="en-US" altLang="zh-CN" i="1"/>
+                              <m:t>2</m:t>
+                            </m:r>
+                          </m:sup>
+                        </m:sSup>
+                      </m:e>
+                    </m:nary>
+                  </m:oMath>
+                </a14:m>
+                <a:endParaRPr lang="en-US" altLang="zh-CN" dirty="0" smtClean="0"/>
+              </a:p>
+              <a:p>
+                <a14:m>
+                  <m:oMath xmlns:m="http://schemas.openxmlformats.org/officeDocument/2006/math">
+                    <m:sSubSup>
+                      <m:sSubSupPr>
+                        <m:ctrlPr>
+                          <a:rPr lang="zh-CN" altLang="zh-CN" i="1"/>
+                        </m:ctrlPr>
+                      </m:sSubSupPr>
+                      <m:e>
+                        <m:r>
+                          <a:rPr lang="en-US" altLang="zh-CN" i="1"/>
+                          <m:t>𝑤</m:t>
+                        </m:r>
+                      </m:e>
+                      <m:sub>
+                        <m:r>
+                          <a:rPr lang="en-US" altLang="zh-CN" i="1"/>
+                          <m:t>𝑘</m:t>
+                        </m:r>
+                      </m:sub>
+                      <m:sup>
+                        <m:r>
+                          <a:rPr lang="en-US" altLang="zh-CN" i="1"/>
+                          <m:t>′</m:t>
+                        </m:r>
+                      </m:sup>
+                    </m:sSubSup>
+                    <m:r>
+                      <a:rPr lang="en-US" altLang="zh-CN" i="1"/>
+                      <m:t>=</m:t>
+                    </m:r>
+                    <m:sSub>
+                      <m:sSubPr>
+                        <m:ctrlPr>
+                          <a:rPr lang="zh-CN" altLang="zh-CN" i="1"/>
+                        </m:ctrlPr>
+                      </m:sSubPr>
+                      <m:e>
+                        <m:r>
+                          <a:rPr lang="en-US" altLang="zh-CN" i="1"/>
+                          <m:t>𝑤</m:t>
+                        </m:r>
+                      </m:e>
+                      <m:sub>
+                        <m:r>
+                          <a:rPr lang="en-US" altLang="zh-CN" i="1"/>
+                          <m:t>𝑘</m:t>
+                        </m:r>
+                      </m:sub>
+                    </m:sSub>
+                    <m:r>
+                      <a:rPr lang="en-US" altLang="zh-CN" i="1"/>
+                      <m:t>−</m:t>
+                    </m:r>
+                    <m:f>
+                      <m:fPr>
+                        <m:ctrlPr>
+                          <a:rPr lang="zh-CN" altLang="zh-CN" i="1"/>
+                        </m:ctrlPr>
+                      </m:fPr>
+                      <m:num>
+                        <m:r>
+                          <a:rPr lang="en-US" altLang="zh-CN" i="1"/>
+                          <m:t>𝜂</m:t>
+                        </m:r>
+                      </m:num>
+                      <m:den>
+                        <m:r>
+                          <a:rPr lang="en-US" altLang="zh-CN" i="1"/>
+                          <m:t>𝑚</m:t>
+                        </m:r>
+                      </m:den>
+                    </m:f>
+                    <m:nary>
+                      <m:naryPr>
+                        <m:chr m:val="∑"/>
+                        <m:limLoc m:val="undOvr"/>
+                        <m:supHide m:val="on"/>
+                        <m:ctrlPr>
+                          <a:rPr lang="zh-CN" altLang="zh-CN" i="1"/>
+                        </m:ctrlPr>
+                      </m:naryPr>
+                      <m:sub>
+                        <m:r>
+                          <a:rPr lang="en-US" altLang="zh-CN" i="1"/>
+                          <m:t>𝑗</m:t>
+                        </m:r>
+                      </m:sub>
+                      <m:sup/>
+                      <m:e>
+                        <m:f>
+                          <m:fPr>
+                            <m:ctrlPr>
+                              <a:rPr lang="zh-CN" altLang="zh-CN" i="1"/>
+                            </m:ctrlPr>
+                          </m:fPr>
+                          <m:num>
+                            <m:r>
+                              <a:rPr lang="en-US" altLang="zh-CN" i="1"/>
+                              <m:t>𝜕</m:t>
+                            </m:r>
+                            <m:sSub>
+                              <m:sSubPr>
+                                <m:ctrlPr>
+                                  <a:rPr lang="zh-CN" altLang="zh-CN" i="1"/>
+                                </m:ctrlPr>
+                              </m:sSubPr>
+                              <m:e>
+                                <m:r>
+                                  <a:rPr lang="en-US" altLang="zh-CN" i="1"/>
+                                  <m:t>𝐶</m:t>
+                                </m:r>
+                              </m:e>
+                              <m:sub>
+                                <m:r>
+                                  <a:rPr lang="en-US" altLang="zh-CN" i="1"/>
+                                  <m:t>𝑋𝑗</m:t>
+                                </m:r>
+                              </m:sub>
+                            </m:sSub>
+                          </m:num>
+                          <m:den>
+                            <m:r>
+                              <a:rPr lang="en-US" altLang="zh-CN" i="1"/>
+                              <m:t>𝜕</m:t>
+                            </m:r>
+                            <m:sSub>
+                              <m:sSubPr>
+                                <m:ctrlPr>
+                                  <a:rPr lang="zh-CN" altLang="zh-CN" i="1"/>
+                                </m:ctrlPr>
+                              </m:sSubPr>
+                              <m:e>
+                                <m:r>
+                                  <a:rPr lang="en-US" altLang="zh-CN" i="1"/>
+                                  <m:t>𝑤</m:t>
+                                </m:r>
+                              </m:e>
+                              <m:sub>
+                                <m:r>
+                                  <a:rPr lang="en-US" altLang="zh-CN" i="1"/>
+                                  <m:t>𝑘</m:t>
+                                </m:r>
+                              </m:sub>
+                            </m:sSub>
+                          </m:den>
+                        </m:f>
+                      </m:e>
+                    </m:nary>
+                  </m:oMath>
+                </a14:m>
+                <a:endParaRPr lang="zh-CN" altLang="zh-CN" dirty="0"/>
+              </a:p>
+              <a:p>
+                <a14:m>
+                  <m:oMath xmlns:m="http://schemas.openxmlformats.org/officeDocument/2006/math">
+                    <m:sSubSup>
+                      <m:sSubSupPr>
+                        <m:ctrlPr>
+                          <a:rPr lang="zh-CN" altLang="zh-CN" i="1"/>
+                        </m:ctrlPr>
+                      </m:sSubSupPr>
+                      <m:e>
+                        <m:r>
+                          <a:rPr lang="en-US" altLang="zh-CN" i="1"/>
+                          <m:t>𝑏</m:t>
+                        </m:r>
+                      </m:e>
+                      <m:sub>
+                        <m:r>
+                          <a:rPr lang="en-US" altLang="zh-CN" i="1"/>
+                          <m:t>𝑙</m:t>
+                        </m:r>
+                      </m:sub>
+                      <m:sup>
+                        <m:r>
+                          <a:rPr lang="en-US" altLang="zh-CN" i="1"/>
+                          <m:t>′</m:t>
+                        </m:r>
+                      </m:sup>
+                    </m:sSubSup>
+                    <m:r>
+                      <a:rPr lang="en-US" altLang="zh-CN" i="1"/>
+                      <m:t>=</m:t>
+                    </m:r>
+                    <m:sSub>
+                      <m:sSubPr>
+                        <m:ctrlPr>
+                          <a:rPr lang="zh-CN" altLang="zh-CN" i="1"/>
+                        </m:ctrlPr>
+                      </m:sSubPr>
+                      <m:e>
+                        <m:r>
+                          <a:rPr lang="en-US" altLang="zh-CN" i="1"/>
+                          <m:t>𝑏</m:t>
+                        </m:r>
+                      </m:e>
+                      <m:sub>
+                        <m:r>
+                          <a:rPr lang="en-US" altLang="zh-CN" i="1"/>
+                          <m:t>𝑙</m:t>
+                        </m:r>
+                      </m:sub>
+                    </m:sSub>
+                    <m:r>
+                      <a:rPr lang="en-US" altLang="zh-CN" i="1"/>
+                      <m:t>−</m:t>
+                    </m:r>
+                    <m:f>
+                      <m:fPr>
+                        <m:ctrlPr>
+                          <a:rPr lang="zh-CN" altLang="zh-CN" i="1"/>
+                        </m:ctrlPr>
+                      </m:fPr>
+                      <m:num>
+                        <m:r>
+                          <a:rPr lang="en-US" altLang="zh-CN" i="1"/>
+                          <m:t>𝜂</m:t>
+                        </m:r>
+                      </m:num>
+                      <m:den>
+                        <m:r>
+                          <a:rPr lang="en-US" altLang="zh-CN" i="1"/>
+                          <m:t>𝑚</m:t>
+                        </m:r>
+                      </m:den>
+                    </m:f>
+                    <m:nary>
+                      <m:naryPr>
+                        <m:chr m:val="∑"/>
+                        <m:limLoc m:val="undOvr"/>
+                        <m:supHide m:val="on"/>
+                        <m:ctrlPr>
+                          <a:rPr lang="zh-CN" altLang="zh-CN" i="1"/>
+                        </m:ctrlPr>
+                      </m:naryPr>
+                      <m:sub>
+                        <m:r>
+                          <a:rPr lang="en-US" altLang="zh-CN" i="1"/>
+                          <m:t>𝑗</m:t>
+                        </m:r>
+                      </m:sub>
+                      <m:sup/>
+                      <m:e>
+                        <m:f>
+                          <m:fPr>
+                            <m:ctrlPr>
+                              <a:rPr lang="zh-CN" altLang="zh-CN" i="1"/>
+                            </m:ctrlPr>
+                          </m:fPr>
+                          <m:num>
+                            <m:r>
+                              <a:rPr lang="en-US" altLang="zh-CN" i="1"/>
+                              <m:t>𝜕</m:t>
+                            </m:r>
+                            <m:sSub>
+                              <m:sSubPr>
+                                <m:ctrlPr>
+                                  <a:rPr lang="zh-CN" altLang="zh-CN" i="1"/>
+                                </m:ctrlPr>
+                              </m:sSubPr>
+                              <m:e>
+                                <m:r>
+                                  <a:rPr lang="en-US" altLang="zh-CN" i="1"/>
+                                  <m:t>𝐶</m:t>
+                                </m:r>
+                              </m:e>
+                              <m:sub>
+                                <m:r>
+                                  <a:rPr lang="en-US" altLang="zh-CN" i="1"/>
+                                  <m:t>𝑋𝑗</m:t>
+                                </m:r>
+                              </m:sub>
+                            </m:sSub>
+                          </m:num>
+                          <m:den>
+                            <m:r>
+                              <a:rPr lang="en-US" altLang="zh-CN" i="1"/>
+                              <m:t>𝜕</m:t>
+                            </m:r>
+                            <m:sSub>
+                              <m:sSubPr>
+                                <m:ctrlPr>
+                                  <a:rPr lang="zh-CN" altLang="zh-CN" i="1"/>
+                                </m:ctrlPr>
+                              </m:sSubPr>
+                              <m:e>
+                                <m:r>
+                                  <a:rPr lang="en-US" altLang="zh-CN" i="1"/>
+                                  <m:t>𝑏</m:t>
+                                </m:r>
+                              </m:e>
+                              <m:sub>
+                                <m:r>
+                                  <a:rPr lang="en-US" altLang="zh-CN" i="1"/>
+                                  <m:t>𝑙</m:t>
+                                </m:r>
+                              </m:sub>
+                            </m:sSub>
+                          </m:den>
+                        </m:f>
+                      </m:e>
+                    </m:nary>
+                  </m:oMath>
+                </a14:m>
+                <a:endParaRPr lang="zh-CN" altLang="zh-CN" dirty="0"/>
+              </a:p>
+            </p:txBody>
+          </p:sp>
+        </mc:Choice>
+        <mc:Fallback>
+          <p:sp>
+            <p:nvSpPr>
+              <p:cNvPr id="3" name="内容占位符 2"/>
+              <p:cNvSpPr>
+                <a:spLocks noGrp="1" noRot="1" noChangeAspect="1" noMove="1" noResize="1" noEditPoints="1" noAdjustHandles="1" noChangeArrowheads="1" noChangeShapeType="1" noTextEdit="1"/>
+              </p:cNvSpPr>
+              <p:nvPr>
+                <p:ph idx="1"/>
+              </p:nvPr>
+            </p:nvSpPr>
+            <p:spPr>
+              <a:blipFill rotWithShape="0">
+                <a:blip r:embed="rId2"/>
+                <a:stretch>
+                  <a:fillRect l="-479" t="-806"/>
+                </a:stretch>
+              </a:blipFill>
+            </p:spPr>
+            <p:txBody>
+              <a:bodyPr/>
+              <a:lstStyle/>
+              <a:p>
+                <a:r>
+                  <a:rPr lang="zh-CN" altLang="en-US">
+                    <a:noFill/>
+                  </a:rPr>
+                  <a:t> </a:t>
+                </a:r>
+              </a:p>
+            </p:txBody>
+          </p:sp>
+        </mc:Fallback>
+      </mc:AlternateContent>
       <p:pic>
         <p:nvPicPr>
           <p:cNvPr id="4" name="图片 3"/>
-          <p:cNvPicPr>
-            <a:picLocks noChangeAspect="1"/>
-          </p:cNvPicPr>
+          <p:cNvPicPr/>
           <p:nvPr/>
         </p:nvPicPr>
         <p:blipFill>
-          <a:blip r:embed="rId2"/>
+          <a:blip r:embed="rId3"/>
           <a:stretch>
             <a:fillRect/>
           </a:stretch>
         </p:blipFill>
         <p:spPr>
           <a:xfrm>
-            <a:off x="9123362" y="4225297"/>
-            <a:ext cx="2381250" cy="1914525"/>
+            <a:off x="6356980" y="1905000"/>
+            <a:ext cx="4384465" cy="3526316"/>
           </a:xfrm>
           <a:prstGeom prst="rect">
             <a:avLst/>
@@ -8244,7 +8733,7 @@
     </p:spTree>
     <p:extLst>
       <p:ext uri="{BB962C8B-B14F-4D97-AF65-F5344CB8AC3E}">
-        <p14:creationId xmlns:p14="http://schemas.microsoft.com/office/powerpoint/2010/main" val="2077577587"/>
+        <p14:creationId xmlns:p14="http://schemas.microsoft.com/office/powerpoint/2010/main" val="886505066"/>
       </p:ext>
     </p:extLst>
   </p:cSld>
@@ -8295,36 +8784,499 @@
           <a:p>
             <a:pPr algn="ctr"/>
             <a:r>
-              <a:rPr lang="en-US" dirty="0" smtClean="0"/>
-              <a:t>Neural Network Solution</a:t>
-            </a:r>
-            <a:endParaRPr lang="en-US" dirty="0"/>
-          </a:p>
-        </p:txBody>
-      </p:sp>
-      <p:sp>
-        <p:nvSpPr>
-          <p:cNvPr id="3" name="内容占位符 2"/>
-          <p:cNvSpPr>
-            <a:spLocks noGrp="1"/>
-          </p:cNvSpPr>
+              <a:rPr lang="en-US" altLang="zh-CN" dirty="0"/>
+              <a:t>Neural Network </a:t>
+            </a:r>
+            <a:r>
+              <a:rPr lang="en-US" altLang="zh-CN" dirty="0" smtClean="0"/>
+              <a:t>Result</a:t>
+            </a:r>
+            <a:br>
+              <a:rPr lang="en-US" altLang="zh-CN" dirty="0" smtClean="0"/>
+            </a:br>
+            <a:endParaRPr kumimoji="1" lang="zh-CN" altLang="en-US" dirty="0"/>
+          </a:p>
+        </p:txBody>
+      </p:sp>
+      <p:pic>
+        <p:nvPicPr>
+          <p:cNvPr id="4" name="图片 3"/>
+          <p:cNvPicPr/>
+          <p:nvPr/>
+        </p:nvPicPr>
+        <p:blipFill>
+          <a:blip r:embed="rId2"/>
+          <a:stretch>
+            <a:fillRect/>
+          </a:stretch>
+        </p:blipFill>
+        <p:spPr>
+          <a:xfrm>
+            <a:off x="2589212" y="1425484"/>
+            <a:ext cx="2963289" cy="2154998"/>
+          </a:xfrm>
+          <a:prstGeom prst="rect">
+            <a:avLst/>
+          </a:prstGeom>
+        </p:spPr>
+      </p:pic>
+      <p:pic>
+        <p:nvPicPr>
+          <p:cNvPr id="5" name="图片 4"/>
+          <p:cNvPicPr/>
+          <p:nvPr/>
+        </p:nvPicPr>
+        <p:blipFill>
+          <a:blip r:embed="rId3"/>
+          <a:stretch>
+            <a:fillRect/>
+          </a:stretch>
+        </p:blipFill>
+        <p:spPr>
+          <a:xfrm>
+            <a:off x="5395258" y="1446480"/>
+            <a:ext cx="2737826" cy="2154998"/>
+          </a:xfrm>
+          <a:prstGeom prst="rect">
+            <a:avLst/>
+          </a:prstGeom>
+        </p:spPr>
+      </p:pic>
+      <p:pic>
+        <p:nvPicPr>
+          <p:cNvPr id="6" name="内容占位符 5"/>
+          <p:cNvPicPr>
+            <a:picLocks noGrp="1"/>
+          </p:cNvPicPr>
           <p:nvPr>
             <p:ph idx="1"/>
           </p:nvPr>
-        </p:nvSpPr>
-        <p:spPr/>
-        <p:txBody>
-          <a:bodyPr/>
+        </p:nvPicPr>
+        <p:blipFill>
+          <a:blip r:embed="rId4"/>
+          <a:stretch>
+            <a:fillRect/>
+          </a:stretch>
+        </p:blipFill>
+        <p:spPr>
+          <a:xfrm>
+            <a:off x="8171881" y="1408606"/>
+            <a:ext cx="2963289" cy="2171876"/>
+          </a:xfrm>
+          <a:prstGeom prst="rect">
+            <a:avLst/>
+          </a:prstGeom>
+        </p:spPr>
+      </p:pic>
+      <p:pic>
+        <p:nvPicPr>
+          <p:cNvPr id="7" name="图片 6"/>
+          <p:cNvPicPr/>
+          <p:nvPr/>
+        </p:nvPicPr>
+        <p:blipFill>
+          <a:blip r:embed="rId5"/>
+          <a:stretch>
+            <a:fillRect/>
+          </a:stretch>
+        </p:blipFill>
+        <p:spPr>
+          <a:xfrm>
+            <a:off x="5587253" y="4065224"/>
+            <a:ext cx="2530475" cy="1979930"/>
+          </a:xfrm>
+          <a:prstGeom prst="rect">
+            <a:avLst/>
+          </a:prstGeom>
+        </p:spPr>
+      </p:pic>
+      <p:pic>
+        <p:nvPicPr>
+          <p:cNvPr id="8" name="图片 7"/>
+          <p:cNvPicPr/>
+          <p:nvPr/>
+        </p:nvPicPr>
+        <p:blipFill>
+          <a:blip r:embed="rId6"/>
+          <a:stretch>
+            <a:fillRect/>
+          </a:stretch>
+        </p:blipFill>
+        <p:spPr>
+          <a:xfrm>
+            <a:off x="2569814" y="4077621"/>
+            <a:ext cx="2825444" cy="1967533"/>
+          </a:xfrm>
+          <a:prstGeom prst="rect">
+            <a:avLst/>
+          </a:prstGeom>
+        </p:spPr>
+      </p:pic>
+      <p:pic>
+        <p:nvPicPr>
+          <p:cNvPr id="9" name="图片 8"/>
+          <p:cNvPicPr/>
+          <p:nvPr/>
+        </p:nvPicPr>
+        <p:blipFill>
+          <a:blip r:embed="rId7"/>
+          <a:stretch>
+            <a:fillRect/>
+          </a:stretch>
+        </p:blipFill>
+        <p:spPr>
+          <a:xfrm>
+            <a:off x="8117728" y="4065224"/>
+            <a:ext cx="3017441" cy="1967533"/>
+          </a:xfrm>
+          <a:prstGeom prst="rect">
+            <a:avLst/>
+          </a:prstGeom>
+        </p:spPr>
+      </p:pic>
+      <p:sp>
+        <p:nvSpPr>
+          <p:cNvPr id="10" name="文本框 9"/>
+          <p:cNvSpPr txBox="1"/>
+          <p:nvPr/>
+        </p:nvSpPr>
+        <p:spPr>
+          <a:xfrm>
+            <a:off x="2589212" y="3657600"/>
+            <a:ext cx="8545957" cy="307777"/>
+          </a:xfrm>
+          <a:prstGeom prst="rect">
+            <a:avLst/>
+          </a:prstGeom>
+          <a:noFill/>
+        </p:spPr>
+        <p:txBody>
+          <a:bodyPr wrap="square" rtlCol="0">
+            <a:spAutoFit/>
+          </a:bodyPr>
           <a:lstStyle/>
           <a:p>
-            <a:endParaRPr lang="en-US"/>
+            <a:r>
+              <a:rPr lang="en-US" altLang="zh-CN" sz="1400" dirty="0" smtClean="0"/>
+              <a:t>       </a:t>
+            </a:r>
+            <a:r>
+              <a:rPr lang="zh-CN" altLang="zh-CN" sz="1400" dirty="0" smtClean="0"/>
+              <a:t> </a:t>
+            </a:r>
+            <a:r>
+              <a:rPr lang="en-US" altLang="zh-CN" sz="1400" i="1" dirty="0"/>
+              <a:t>n</a:t>
+            </a:r>
+            <a:r>
+              <a:rPr lang="en-US" altLang="zh-CN" sz="1400" dirty="0"/>
+              <a:t> = 30, </a:t>
+            </a:r>
+            <a:r>
+              <a:rPr lang="en-US" altLang="zh-CN" sz="1400" i="1" dirty="0" err="1"/>
+              <a:t>η</a:t>
+            </a:r>
+            <a:r>
+              <a:rPr lang="en-US" altLang="zh-CN" sz="1400" i="1" dirty="0"/>
+              <a:t> </a:t>
+            </a:r>
+            <a:r>
+              <a:rPr lang="en-US" altLang="zh-CN" sz="1400" dirty="0"/>
+              <a:t>= 1.0, </a:t>
+            </a:r>
+            <a:r>
+              <a:rPr lang="en-US" altLang="zh-CN" sz="1400" i="1" dirty="0"/>
+              <a:t>m</a:t>
+            </a:r>
+            <a:r>
+              <a:rPr lang="en-US" altLang="zh-CN" sz="1400" dirty="0"/>
+              <a:t> = </a:t>
+            </a:r>
+            <a:r>
+              <a:rPr lang="en-US" altLang="zh-CN" sz="1400" dirty="0" smtClean="0"/>
+              <a:t>30                   </a:t>
+            </a:r>
+            <a:r>
+              <a:rPr lang="zh-CN" altLang="zh-CN" sz="1400" dirty="0"/>
+              <a:t> </a:t>
+            </a:r>
+            <a:r>
+              <a:rPr lang="en-US" altLang="zh-CN" sz="1400" i="1" dirty="0"/>
+              <a:t>n</a:t>
+            </a:r>
+            <a:r>
+              <a:rPr lang="en-US" altLang="zh-CN" sz="1400" dirty="0"/>
+              <a:t> = </a:t>
+            </a:r>
+            <a:r>
+              <a:rPr lang="en-US" altLang="zh-CN" sz="1400" dirty="0" smtClean="0"/>
+              <a:t>100</a:t>
+            </a:r>
+            <a:r>
+              <a:rPr lang="en-US" altLang="zh-CN" sz="1400" dirty="0"/>
+              <a:t>, </a:t>
+            </a:r>
+            <a:r>
+              <a:rPr lang="en-US" altLang="zh-CN" sz="1400" i="1" dirty="0" err="1"/>
+              <a:t>η</a:t>
+            </a:r>
+            <a:r>
+              <a:rPr lang="en-US" altLang="zh-CN" sz="1400" i="1" dirty="0"/>
+              <a:t> </a:t>
+            </a:r>
+            <a:r>
+              <a:rPr lang="en-US" altLang="zh-CN" sz="1400" dirty="0"/>
+              <a:t>= 1.0, </a:t>
+            </a:r>
+            <a:r>
+              <a:rPr lang="en-US" altLang="zh-CN" sz="1400" i="1" dirty="0"/>
+              <a:t>m</a:t>
+            </a:r>
+            <a:r>
+              <a:rPr lang="en-US" altLang="zh-CN" sz="1400" dirty="0"/>
+              <a:t> = </a:t>
+            </a:r>
+            <a:r>
+              <a:rPr lang="en-US" altLang="zh-CN" sz="1400" dirty="0" smtClean="0"/>
+              <a:t>30                   </a:t>
+            </a:r>
+            <a:r>
+              <a:rPr lang="zh-CN" altLang="zh-CN" sz="1400" dirty="0"/>
+              <a:t> </a:t>
+            </a:r>
+            <a:r>
+              <a:rPr lang="en-US" altLang="zh-CN" sz="1400" i="1" dirty="0"/>
+              <a:t>n</a:t>
+            </a:r>
+            <a:r>
+              <a:rPr lang="en-US" altLang="zh-CN" sz="1400" dirty="0"/>
+              <a:t> = </a:t>
+            </a:r>
+            <a:r>
+              <a:rPr lang="en-US" altLang="zh-CN" sz="1400" dirty="0" smtClean="0"/>
+              <a:t>300</a:t>
+            </a:r>
+            <a:r>
+              <a:rPr lang="en-US" altLang="zh-CN" sz="1400" dirty="0"/>
+              <a:t>, </a:t>
+            </a:r>
+            <a:r>
+              <a:rPr lang="en-US" altLang="zh-CN" sz="1400" i="1" dirty="0" err="1"/>
+              <a:t>η</a:t>
+            </a:r>
+            <a:r>
+              <a:rPr lang="en-US" altLang="zh-CN" sz="1400" i="1" dirty="0"/>
+              <a:t> </a:t>
+            </a:r>
+            <a:r>
+              <a:rPr lang="en-US" altLang="zh-CN" sz="1400" dirty="0"/>
+              <a:t>= </a:t>
+            </a:r>
+            <a:r>
+              <a:rPr lang="en-US" altLang="zh-CN" sz="1400" dirty="0" smtClean="0"/>
+              <a:t>0.001, </a:t>
+            </a:r>
+            <a:r>
+              <a:rPr lang="en-US" altLang="zh-CN" sz="1400" i="1" dirty="0"/>
+              <a:t>m</a:t>
+            </a:r>
+            <a:r>
+              <a:rPr lang="en-US" altLang="zh-CN" sz="1400" dirty="0"/>
+              <a:t> = 30 </a:t>
+            </a:r>
+            <a:r>
+              <a:rPr lang="zh-CN" altLang="zh-CN" sz="1400" dirty="0"/>
+              <a:t> </a:t>
+            </a:r>
+            <a:r>
+              <a:rPr lang="en-US" altLang="zh-CN" sz="1400" dirty="0" smtClean="0"/>
+              <a:t> </a:t>
+            </a:r>
+            <a:r>
+              <a:rPr lang="zh-CN" altLang="zh-CN" sz="1400" dirty="0" smtClean="0"/>
+              <a:t>  </a:t>
+            </a:r>
+            <a:endParaRPr kumimoji="1" lang="zh-CN" altLang="en-US" sz="1400" dirty="0"/>
+          </a:p>
+        </p:txBody>
+      </p:sp>
+      <p:sp>
+        <p:nvSpPr>
+          <p:cNvPr id="12" name="矩形 11"/>
+          <p:cNvSpPr/>
+          <p:nvPr/>
+        </p:nvSpPr>
+        <p:spPr>
+          <a:xfrm>
+            <a:off x="2805629" y="6032757"/>
+            <a:ext cx="8329540" cy="307777"/>
+          </a:xfrm>
+          <a:prstGeom prst="rect">
+            <a:avLst/>
+          </a:prstGeom>
+        </p:spPr>
+        <p:txBody>
+          <a:bodyPr wrap="square">
+            <a:spAutoFit/>
+          </a:bodyPr>
+          <a:lstStyle/>
+          <a:p>
+            <a:r>
+              <a:rPr lang="zh-CN" altLang="zh-CN" sz="1400" dirty="0"/>
+              <a:t> </a:t>
+            </a:r>
+            <a:r>
+              <a:rPr lang="en-US" altLang="zh-CN" sz="1400" dirty="0" smtClean="0"/>
+              <a:t>   </a:t>
+            </a:r>
+            <a:r>
+              <a:rPr lang="en-US" altLang="zh-CN" sz="1400" i="1" dirty="0" smtClean="0"/>
+              <a:t>n</a:t>
+            </a:r>
+            <a:r>
+              <a:rPr lang="en-US" altLang="zh-CN" sz="1400" dirty="0" smtClean="0"/>
+              <a:t> </a:t>
+            </a:r>
+            <a:r>
+              <a:rPr lang="en-US" altLang="zh-CN" sz="1400" dirty="0"/>
+              <a:t>= </a:t>
+            </a:r>
+            <a:r>
+              <a:rPr lang="en-US" altLang="zh-CN" sz="1400" dirty="0" smtClean="0"/>
+              <a:t>300, </a:t>
+            </a:r>
+            <a:r>
+              <a:rPr lang="en-US" altLang="zh-CN" sz="1400" i="1" dirty="0" err="1"/>
+              <a:t>η</a:t>
+            </a:r>
+            <a:r>
+              <a:rPr lang="en-US" altLang="zh-CN" sz="1400" i="1" dirty="0"/>
+              <a:t> </a:t>
+            </a:r>
+            <a:r>
+              <a:rPr lang="en-US" altLang="zh-CN" sz="1400" dirty="0"/>
+              <a:t>= </a:t>
+            </a:r>
+            <a:r>
+              <a:rPr lang="en-US" altLang="zh-CN" sz="1400" dirty="0" smtClean="0"/>
+              <a:t>1.6, </a:t>
+            </a:r>
+            <a:r>
+              <a:rPr lang="en-US" altLang="zh-CN" sz="1400" i="1" dirty="0"/>
+              <a:t>m</a:t>
+            </a:r>
+            <a:r>
+              <a:rPr lang="en-US" altLang="zh-CN" sz="1400" dirty="0"/>
+              <a:t> = 30                   </a:t>
+            </a:r>
+            <a:r>
+              <a:rPr lang="zh-CN" altLang="zh-CN" sz="1400" dirty="0"/>
+              <a:t> </a:t>
+            </a:r>
+            <a:r>
+              <a:rPr lang="en-US" altLang="zh-CN" sz="1400" i="1" dirty="0"/>
+              <a:t>n</a:t>
+            </a:r>
+            <a:r>
+              <a:rPr lang="en-US" altLang="zh-CN" sz="1400" dirty="0"/>
+              <a:t> = </a:t>
+            </a:r>
+            <a:r>
+              <a:rPr lang="en-US" altLang="zh-CN" sz="1400" dirty="0" smtClean="0"/>
+              <a:t>300</a:t>
+            </a:r>
+            <a:r>
+              <a:rPr lang="en-US" altLang="zh-CN" sz="1400" dirty="0"/>
+              <a:t>, </a:t>
+            </a:r>
+            <a:r>
+              <a:rPr lang="en-US" altLang="zh-CN" sz="1400" i="1" dirty="0" err="1"/>
+              <a:t>η</a:t>
+            </a:r>
+            <a:r>
+              <a:rPr lang="en-US" altLang="zh-CN" sz="1400" i="1" dirty="0"/>
+              <a:t> </a:t>
+            </a:r>
+            <a:r>
+              <a:rPr lang="en-US" altLang="zh-CN" sz="1400" dirty="0"/>
+              <a:t>= </a:t>
+            </a:r>
+            <a:r>
+              <a:rPr lang="en-US" altLang="zh-CN" sz="1400" dirty="0" smtClean="0"/>
+              <a:t>1.6, </a:t>
+            </a:r>
+            <a:r>
+              <a:rPr lang="en-US" altLang="zh-CN" sz="1400" i="1" dirty="0"/>
+              <a:t>m</a:t>
+            </a:r>
+            <a:r>
+              <a:rPr lang="en-US" altLang="zh-CN" sz="1400" dirty="0"/>
+              <a:t> = </a:t>
+            </a:r>
+            <a:r>
+              <a:rPr lang="en-US" altLang="zh-CN" sz="1400" dirty="0" smtClean="0"/>
+              <a:t>10                   </a:t>
+            </a:r>
+            <a:r>
+              <a:rPr lang="zh-CN" altLang="zh-CN" sz="1400" dirty="0" smtClean="0"/>
+              <a:t> </a:t>
+            </a:r>
+            <a:r>
+              <a:rPr lang="en-US" altLang="zh-CN" sz="1400" i="1" dirty="0"/>
+              <a:t>n</a:t>
+            </a:r>
+            <a:r>
+              <a:rPr lang="en-US" altLang="zh-CN" sz="1400" dirty="0"/>
+              <a:t> = 300, </a:t>
+            </a:r>
+            <a:r>
+              <a:rPr lang="en-US" altLang="zh-CN" sz="1400" i="1" dirty="0" err="1"/>
+              <a:t>η</a:t>
+            </a:r>
+            <a:r>
+              <a:rPr lang="en-US" altLang="zh-CN" sz="1400" i="1" dirty="0"/>
+              <a:t> </a:t>
+            </a:r>
+            <a:r>
+              <a:rPr lang="en-US" altLang="zh-CN" sz="1400" dirty="0"/>
+              <a:t>= </a:t>
+            </a:r>
+            <a:r>
+              <a:rPr lang="en-US" altLang="zh-CN" sz="1400" dirty="0" smtClean="0"/>
+              <a:t>1.6, </a:t>
+            </a:r>
+            <a:r>
+              <a:rPr lang="en-US" altLang="zh-CN" sz="1400" i="1" dirty="0"/>
+              <a:t>m</a:t>
+            </a:r>
+            <a:r>
+              <a:rPr lang="en-US" altLang="zh-CN" sz="1400" dirty="0"/>
+              <a:t> = </a:t>
+            </a:r>
+            <a:r>
+              <a:rPr lang="en-US" altLang="zh-CN" sz="1400" dirty="0" smtClean="0"/>
+              <a:t>50 </a:t>
+            </a:r>
+            <a:r>
+              <a:rPr lang="zh-CN" altLang="zh-CN" sz="1400" dirty="0" smtClean="0"/>
+              <a:t> </a:t>
+            </a:r>
+            <a:r>
+              <a:rPr lang="en-US" altLang="zh-CN" sz="1400" dirty="0" smtClean="0"/>
+              <a:t> </a:t>
+            </a:r>
+            <a:r>
+              <a:rPr lang="zh-CN" altLang="zh-CN" sz="1400" dirty="0" smtClean="0"/>
+              <a:t>  </a:t>
+            </a:r>
+            <a:endParaRPr lang="zh-CN" altLang="en-US" sz="1400" dirty="0"/>
           </a:p>
         </p:txBody>
       </p:sp>
     </p:spTree>
     <p:extLst>
       <p:ext uri="{BB962C8B-B14F-4D97-AF65-F5344CB8AC3E}">
-        <p14:creationId xmlns:p14="http://schemas.microsoft.com/office/powerpoint/2010/main" val="886505066"/>
+        <p14:creationId xmlns:p14="http://schemas.microsoft.com/office/powerpoint/2010/main" val="268962647"/>
       </p:ext>
     </p:extLst>
   </p:cSld>
@@ -8419,6 +9371,13 @@
   <p:clrMapOvr>
     <a:masterClrMapping/>
   </p:clrMapOvr>
+  <p:timing>
+    <p:tnLst>
+      <p:par>
+        <p:cTn id="1" dur="indefinite" restart="never" nodeType="tmRoot"/>
+      </p:par>
+    </p:tnLst>
+  </p:timing>
 </p:sld>
 </file>
 
@@ -8567,11 +9526,7 @@
           <a:p>
             <a:r>
               <a:rPr lang="en-US" dirty="0" smtClean="0"/>
-              <a:t>If time is curtail to a training process. Less layers or even less inputs ca</a:t>
-            </a:r>
-            <a:r>
-              <a:rPr lang="en-US" dirty="0" smtClean="0"/>
-              <a:t>n be applied to learning.</a:t>
+              <a:t>If time is curtail to a training process. Less layers or even less inputs can be applied to learning.</a:t>
             </a:r>
           </a:p>
           <a:p>
